--- a/Taller paquete exams - UNAL/Taller paquete exams - UNAL.pptx
+++ b/Taller paquete exams - UNAL/Taller paquete exams - UNAL.pptx
@@ -5,7 +5,7 @@
     <p:sldMasterId id="2147483903" r:id="rId1"/>
   </p:sldMasterIdLst>
   <p:notesMasterIdLst>
-    <p:notesMasterId r:id="rId14"/>
+    <p:notesMasterId r:id="rId20"/>
   </p:notesMasterIdLst>
   <p:sldIdLst>
     <p:sldId id="256" r:id="rId2"/>
@@ -19,7 +19,13 @@
     <p:sldId id="264" r:id="rId10"/>
     <p:sldId id="263" r:id="rId11"/>
     <p:sldId id="265" r:id="rId12"/>
-    <p:sldId id="266" r:id="rId13"/>
+    <p:sldId id="270" r:id="rId13"/>
+    <p:sldId id="266" r:id="rId14"/>
+    <p:sldId id="271" r:id="rId15"/>
+    <p:sldId id="269" r:id="rId16"/>
+    <p:sldId id="268" r:id="rId17"/>
+    <p:sldId id="273" r:id="rId18"/>
+    <p:sldId id="272" r:id="rId19"/>
   </p:sldIdLst>
   <p:sldSz cx="12192000" cy="6858000"/>
   <p:notesSz cx="6858000" cy="9144000"/>
@@ -3217,7 +3223,7 @@
         <p:spPr>
           <a:xfrm>
             <a:off x="152400" y="111760"/>
-            <a:ext cx="11765280" cy="1015663"/>
+            <a:ext cx="11765280" cy="1938992"/>
           </a:xfrm>
           <a:prstGeom prst="rect">
             <a:avLst/>
@@ -3233,17 +3239,17 @@
             <a:pPr algn="ctr"/>
             <a:r>
               <a:rPr lang="es-CO" sz="6000" dirty="0"/>
-              <a:t>Manos a la obra</a:t>
+              <a:t>¿Qué necesito para hacer esos exámenes?</a:t>
             </a:r>
           </a:p>
         </p:txBody>
       </p:sp>
       <p:pic>
         <p:nvPicPr>
-          <p:cNvPr id="1028" name="Picture 4" descr="Extramarks Smart Classes | School Integrated Program">
-            <a:extLst>
-              <a:ext uri="{FF2B5EF4-FFF2-40B4-BE49-F238E27FC236}">
-                <a16:creationId xmlns:a16="http://schemas.microsoft.com/office/drawing/2014/main" id="{C1844E89-F583-4EB2-8C66-B03884E36AFD}"/>
+          <p:cNvPr id="3078" name="Picture 6" descr="Logo-R-Software-300x263 - Revista Transformación Digital">
+            <a:extLst>
+              <a:ext uri="{FF2B5EF4-FFF2-40B4-BE49-F238E27FC236}">
+                <a16:creationId xmlns:a16="http://schemas.microsoft.com/office/drawing/2014/main" id="{A193DB0C-2DA8-47CC-A739-44FA30955121}"/>
               </a:ext>
             </a:extLst>
           </p:cNvPr>
@@ -3267,8 +3273,8 @@
         </p:blipFill>
         <p:spPr bwMode="auto">
           <a:xfrm>
-            <a:off x="3677920" y="1523364"/>
-            <a:ext cx="4403090" cy="4774779"/>
+            <a:off x="2361372" y="2742993"/>
+            <a:ext cx="2857500" cy="2505075"/>
           </a:xfrm>
           <a:prstGeom prst="rect">
             <a:avLst/>
@@ -3285,10 +3291,878 @@
           </a:extLst>
         </p:spPr>
       </p:pic>
+      <p:pic>
+        <p:nvPicPr>
+          <p:cNvPr id="3080" name="Picture 8" descr="RStudio en Debian Jessie de 64 bits – Proyectos Beta">
+            <a:extLst>
+              <a:ext uri="{FF2B5EF4-FFF2-40B4-BE49-F238E27FC236}">
+                <a16:creationId xmlns:a16="http://schemas.microsoft.com/office/drawing/2014/main" id="{2EC70A00-256F-4844-A881-8CFE7031AA28}"/>
+              </a:ext>
+            </a:extLst>
+          </p:cNvPr>
+          <p:cNvPicPr>
+            <a:picLocks noChangeAspect="1" noChangeArrowheads="1"/>
+          </p:cNvPicPr>
+          <p:nvPr/>
+        </p:nvPicPr>
+        <p:blipFill>
+          <a:blip r:embed="rId3">
+            <a:extLst>
+              <a:ext uri="{28A0092B-C50C-407E-A947-70E740481C1C}">
+                <a14:useLocalDpi xmlns:a14="http://schemas.microsoft.com/office/drawing/2010/main" val="0"/>
+              </a:ext>
+            </a:extLst>
+          </a:blip>
+          <a:srcRect/>
+          <a:stretch>
+            <a:fillRect/>
+          </a:stretch>
+        </p:blipFill>
+        <p:spPr bwMode="auto">
+          <a:xfrm>
+            <a:off x="7152005" y="2742992"/>
+            <a:ext cx="2505075" cy="2505075"/>
+          </a:xfrm>
+          <a:prstGeom prst="rect">
+            <a:avLst/>
+          </a:prstGeom>
+          <a:noFill/>
+          <a:extLst>
+            <a:ext uri="{909E8E84-426E-40DD-AFC4-6F175D3DCCD1}">
+              <a14:hiddenFill xmlns:a14="http://schemas.microsoft.com/office/drawing/2010/main">
+                <a:solidFill>
+                  <a:srgbClr val="FFFFFF"/>
+                </a:solidFill>
+              </a14:hiddenFill>
+            </a:ext>
+          </a:extLst>
+        </p:spPr>
+      </p:pic>
+    </p:spTree>
+    <p:extLst>
+      <p:ext uri="{BB962C8B-B14F-4D97-AF65-F5344CB8AC3E}">
+        <p14:creationId xmlns:p14="http://schemas.microsoft.com/office/powerpoint/2010/main" val="4281123910"/>
+      </p:ext>
+    </p:extLst>
+  </p:cSld>
+  <p:clrMapOvr>
+    <a:masterClrMapping/>
+  </p:clrMapOvr>
+</p:sld>
+</file>
+
+<file path=ppt/slides/slide13.xml><?xml version="1.0" encoding="utf-8"?>
+<p:sld xmlns:a="http://schemas.openxmlformats.org/drawingml/2006/main" xmlns:r="http://schemas.openxmlformats.org/officeDocument/2006/relationships" xmlns:p="http://schemas.openxmlformats.org/presentationml/2006/main">
+  <p:cSld>
+    <p:spTree>
+      <p:nvGrpSpPr>
+        <p:cNvPr id="1" name=""/>
+        <p:cNvGrpSpPr/>
+        <p:nvPr/>
+      </p:nvGrpSpPr>
+      <p:grpSpPr>
+        <a:xfrm>
+          <a:off x="0" y="0"/>
+          <a:ext cx="0" cy="0"/>
+          <a:chOff x="0" y="0"/>
+          <a:chExt cx="0" cy="0"/>
+        </a:xfrm>
+      </p:grpSpPr>
+      <p:sp>
+        <p:nvSpPr>
+          <p:cNvPr id="5" name="CuadroTexto 4">
+            <a:extLst>
+              <a:ext uri="{FF2B5EF4-FFF2-40B4-BE49-F238E27FC236}">
+                <a16:creationId xmlns:a16="http://schemas.microsoft.com/office/drawing/2014/main" id="{81A24F94-BF64-4878-8119-9F85FED9FA01}"/>
+              </a:ext>
+            </a:extLst>
+          </p:cNvPr>
+          <p:cNvSpPr txBox="1"/>
+          <p:nvPr/>
+        </p:nvSpPr>
+        <p:spPr>
+          <a:xfrm>
+            <a:off x="152400" y="111760"/>
+            <a:ext cx="11765280" cy="1015663"/>
+          </a:xfrm>
+          <a:prstGeom prst="rect">
+            <a:avLst/>
+          </a:prstGeom>
+          <a:noFill/>
+        </p:spPr>
+        <p:txBody>
+          <a:bodyPr wrap="square" rtlCol="0">
+            <a:spAutoFit/>
+          </a:bodyPr>
+          <a:lstStyle/>
+          <a:p>
+            <a:pPr algn="ctr"/>
+            <a:r>
+              <a:rPr lang="es-CO" sz="6000" dirty="0"/>
+              <a:t>Videos ilustrativos</a:t>
+            </a:r>
+          </a:p>
+        </p:txBody>
+      </p:sp>
+      <p:sp>
+        <p:nvSpPr>
+          <p:cNvPr id="2" name="Rectángulo 1">
+            <a:extLst>
+              <a:ext uri="{FF2B5EF4-FFF2-40B4-BE49-F238E27FC236}">
+                <a16:creationId xmlns:a16="http://schemas.microsoft.com/office/drawing/2014/main" id="{7DD9F74C-4E41-421A-BCF6-403CC1FC236D}"/>
+              </a:ext>
+            </a:extLst>
+          </p:cNvPr>
+          <p:cNvSpPr/>
+          <p:nvPr/>
+        </p:nvSpPr>
+        <p:spPr>
+          <a:xfrm>
+            <a:off x="1110201" y="5153295"/>
+            <a:ext cx="10923104" cy="461665"/>
+          </a:xfrm>
+          <a:prstGeom prst="rect">
+            <a:avLst/>
+          </a:prstGeom>
+        </p:spPr>
+        <p:txBody>
+          <a:bodyPr wrap="square">
+            <a:spAutoFit/>
+          </a:bodyPr>
+          <a:lstStyle/>
+          <a:p>
+            <a:r>
+              <a:rPr lang="es-CO" sz="2400" dirty="0">
+                <a:solidFill>
+                  <a:schemeClr val="accent3">
+                    <a:lumMod val="40000"/>
+                    <a:lumOff val="60000"/>
+                  </a:schemeClr>
+                </a:solidFill>
+                <a:hlinkClick r:id="rId2">
+                  <a:extLst>
+                    <a:ext uri="{A12FA001-AC4F-418D-AE19-62706E023703}">
+                      <ahyp:hlinkClr xmlns:ahyp="http://schemas.microsoft.com/office/drawing/2018/hyperlinkcolor" val="tx"/>
+                    </a:ext>
+                  </a:extLst>
+                </a:hlinkClick>
+              </a:rPr>
+              <a:t>https://www.youtube.com/playlist?list=PLfX5C7cc6LRKrVX6hteIf-inQUUWzraF1</a:t>
+            </a:r>
+            <a:r>
+              <a:rPr lang="es-CO" sz="2400" dirty="0">
+                <a:solidFill>
+                  <a:schemeClr val="accent3">
+                    <a:lumMod val="40000"/>
+                    <a:lumOff val="60000"/>
+                  </a:schemeClr>
+                </a:solidFill>
+              </a:rPr>
+              <a:t> </a:t>
+            </a:r>
+          </a:p>
+        </p:txBody>
+      </p:sp>
+      <p:pic>
+        <p:nvPicPr>
+          <p:cNvPr id="2050" name="Picture 2" descr="Pollito Amarillito ORIGINAL - Gallina Pintadita 1 - Oficial - Canciones  infantiles - YouTube">
+            <a:extLst>
+              <a:ext uri="{FF2B5EF4-FFF2-40B4-BE49-F238E27FC236}">
+                <a16:creationId xmlns:a16="http://schemas.microsoft.com/office/drawing/2014/main" id="{F8EDA2F2-D3D9-4FDD-8932-177EAF32D42F}"/>
+              </a:ext>
+            </a:extLst>
+          </p:cNvPr>
+          <p:cNvPicPr>
+            <a:picLocks noChangeAspect="1" noChangeArrowheads="1"/>
+          </p:cNvPicPr>
+          <p:nvPr/>
+        </p:nvPicPr>
+        <p:blipFill>
+          <a:blip r:embed="rId3">
+            <a:extLst>
+              <a:ext uri="{28A0092B-C50C-407E-A947-70E740481C1C}">
+                <a14:useLocalDpi xmlns:a14="http://schemas.microsoft.com/office/drawing/2010/main" val="0"/>
+              </a:ext>
+            </a:extLst>
+          </a:blip>
+          <a:srcRect/>
+          <a:stretch>
+            <a:fillRect/>
+          </a:stretch>
+        </p:blipFill>
+        <p:spPr bwMode="auto">
+          <a:xfrm>
+            <a:off x="4293703" y="1628361"/>
+            <a:ext cx="3601278" cy="3601278"/>
+          </a:xfrm>
+          <a:prstGeom prst="rect">
+            <a:avLst/>
+          </a:prstGeom>
+          <a:noFill/>
+          <a:extLst>
+            <a:ext uri="{909E8E84-426E-40DD-AFC4-6F175D3DCCD1}">
+              <a14:hiddenFill xmlns:a14="http://schemas.microsoft.com/office/drawing/2010/main">
+                <a:solidFill>
+                  <a:srgbClr val="FFFFFF"/>
+                </a:solidFill>
+              </a14:hiddenFill>
+            </a:ext>
+          </a:extLst>
+        </p:spPr>
+      </p:pic>
     </p:spTree>
     <p:extLst>
       <p:ext uri="{BB962C8B-B14F-4D97-AF65-F5344CB8AC3E}">
         <p14:creationId xmlns:p14="http://schemas.microsoft.com/office/powerpoint/2010/main" val="3983913469"/>
+      </p:ext>
+    </p:extLst>
+  </p:cSld>
+  <p:clrMapOvr>
+    <a:masterClrMapping/>
+  </p:clrMapOvr>
+</p:sld>
+</file>
+
+<file path=ppt/slides/slide14.xml><?xml version="1.0" encoding="utf-8"?>
+<p:sld xmlns:a="http://schemas.openxmlformats.org/drawingml/2006/main" xmlns:r="http://schemas.openxmlformats.org/officeDocument/2006/relationships" xmlns:p="http://schemas.openxmlformats.org/presentationml/2006/main">
+  <p:cSld>
+    <p:spTree>
+      <p:nvGrpSpPr>
+        <p:cNvPr id="1" name=""/>
+        <p:cNvGrpSpPr/>
+        <p:nvPr/>
+      </p:nvGrpSpPr>
+      <p:grpSpPr>
+        <a:xfrm>
+          <a:off x="0" y="0"/>
+          <a:ext cx="0" cy="0"/>
+          <a:chOff x="0" y="0"/>
+          <a:chExt cx="0" cy="0"/>
+        </a:xfrm>
+      </p:grpSpPr>
+      <p:sp>
+        <p:nvSpPr>
+          <p:cNvPr id="5" name="CuadroTexto 4">
+            <a:extLst>
+              <a:ext uri="{FF2B5EF4-FFF2-40B4-BE49-F238E27FC236}">
+                <a16:creationId xmlns:a16="http://schemas.microsoft.com/office/drawing/2014/main" id="{81A24F94-BF64-4878-8119-9F85FED9FA01}"/>
+              </a:ext>
+            </a:extLst>
+          </p:cNvPr>
+          <p:cNvSpPr txBox="1"/>
+          <p:nvPr/>
+        </p:nvSpPr>
+        <p:spPr>
+          <a:xfrm>
+            <a:off x="152400" y="111760"/>
+            <a:ext cx="11765280" cy="1938992"/>
+          </a:xfrm>
+          <a:prstGeom prst="rect">
+            <a:avLst/>
+          </a:prstGeom>
+          <a:noFill/>
+        </p:spPr>
+        <p:txBody>
+          <a:bodyPr wrap="square" rtlCol="0">
+            <a:spAutoFit/>
+          </a:bodyPr>
+          <a:lstStyle/>
+          <a:p>
+            <a:pPr algn="ctr"/>
+            <a:r>
+              <a:rPr lang="es-CO" sz="6000" dirty="0"/>
+              <a:t>Manos a la obra y vamos a una demostración</a:t>
+            </a:r>
+          </a:p>
+        </p:txBody>
+      </p:sp>
+      <p:pic>
+        <p:nvPicPr>
+          <p:cNvPr id="4098" name="Picture 2" descr="Pin de Lou em Ematicones humeur émotions em 2020 | Imagens animadas, Imagem  em movimento, Figuras">
+            <a:extLst>
+              <a:ext uri="{FF2B5EF4-FFF2-40B4-BE49-F238E27FC236}">
+                <a16:creationId xmlns:a16="http://schemas.microsoft.com/office/drawing/2014/main" id="{CEAFE22B-A01B-42E2-BD7A-5B72C01D923B}"/>
+              </a:ext>
+            </a:extLst>
+          </p:cNvPr>
+          <p:cNvPicPr>
+            <a:picLocks noChangeAspect="1" noChangeArrowheads="1" noCrop="1"/>
+          </p:cNvPicPr>
+          <p:nvPr/>
+        </p:nvPicPr>
+        <p:blipFill>
+          <a:blip r:embed="rId2">
+            <a:extLst>
+              <a:ext uri="{28A0092B-C50C-407E-A947-70E740481C1C}">
+                <a14:useLocalDpi xmlns:a14="http://schemas.microsoft.com/office/drawing/2010/main" val="0"/>
+              </a:ext>
+            </a:extLst>
+          </a:blip>
+          <a:srcRect/>
+          <a:stretch>
+            <a:fillRect/>
+          </a:stretch>
+        </p:blipFill>
+        <p:spPr bwMode="auto">
+          <a:xfrm>
+            <a:off x="3714750" y="1983740"/>
+            <a:ext cx="4762500" cy="4762500"/>
+          </a:xfrm>
+          <a:prstGeom prst="rect">
+            <a:avLst/>
+          </a:prstGeom>
+          <a:noFill/>
+          <a:extLst>
+            <a:ext uri="{909E8E84-426E-40DD-AFC4-6F175D3DCCD1}">
+              <a14:hiddenFill xmlns:a14="http://schemas.microsoft.com/office/drawing/2010/main">
+                <a:solidFill>
+                  <a:srgbClr val="FFFFFF"/>
+                </a:solidFill>
+              </a14:hiddenFill>
+            </a:ext>
+          </a:extLst>
+        </p:spPr>
+      </p:pic>
+    </p:spTree>
+    <p:extLst>
+      <p:ext uri="{BB962C8B-B14F-4D97-AF65-F5344CB8AC3E}">
+        <p14:creationId xmlns:p14="http://schemas.microsoft.com/office/powerpoint/2010/main" val="655258491"/>
+      </p:ext>
+    </p:extLst>
+  </p:cSld>
+  <p:clrMapOvr>
+    <a:masterClrMapping/>
+  </p:clrMapOvr>
+</p:sld>
+</file>
+
+<file path=ppt/slides/slide15.xml><?xml version="1.0" encoding="utf-8"?>
+<p:sld xmlns:a="http://schemas.openxmlformats.org/drawingml/2006/main" xmlns:r="http://schemas.openxmlformats.org/officeDocument/2006/relationships" xmlns:p="http://schemas.openxmlformats.org/presentationml/2006/main">
+  <p:cSld>
+    <p:spTree>
+      <p:nvGrpSpPr>
+        <p:cNvPr id="1" name=""/>
+        <p:cNvGrpSpPr/>
+        <p:nvPr/>
+      </p:nvGrpSpPr>
+      <p:grpSpPr>
+        <a:xfrm>
+          <a:off x="0" y="0"/>
+          <a:ext cx="0" cy="0"/>
+          <a:chOff x="0" y="0"/>
+          <a:chExt cx="0" cy="0"/>
+        </a:xfrm>
+      </p:grpSpPr>
+      <p:sp>
+        <p:nvSpPr>
+          <p:cNvPr id="5" name="CuadroTexto 4">
+            <a:extLst>
+              <a:ext uri="{FF2B5EF4-FFF2-40B4-BE49-F238E27FC236}">
+                <a16:creationId xmlns:a16="http://schemas.microsoft.com/office/drawing/2014/main" id="{81A24F94-BF64-4878-8119-9F85FED9FA01}"/>
+              </a:ext>
+            </a:extLst>
+          </p:cNvPr>
+          <p:cNvSpPr txBox="1"/>
+          <p:nvPr/>
+        </p:nvSpPr>
+        <p:spPr>
+          <a:xfrm>
+            <a:off x="152400" y="111760"/>
+            <a:ext cx="11765280" cy="1015663"/>
+          </a:xfrm>
+          <a:prstGeom prst="rect">
+            <a:avLst/>
+          </a:prstGeom>
+          <a:noFill/>
+        </p:spPr>
+        <p:txBody>
+          <a:bodyPr wrap="square" rtlCol="0">
+            <a:spAutoFit/>
+          </a:bodyPr>
+          <a:lstStyle/>
+          <a:p>
+            <a:pPr algn="ctr"/>
+            <a:r>
+              <a:rPr lang="es-CO" sz="6000" dirty="0"/>
+              <a:t>Recomendaciones</a:t>
+            </a:r>
+          </a:p>
+        </p:txBody>
+      </p:sp>
+      <p:sp>
+        <p:nvSpPr>
+          <p:cNvPr id="2" name="Rectángulo 1">
+            <a:extLst>
+              <a:ext uri="{FF2B5EF4-FFF2-40B4-BE49-F238E27FC236}">
+                <a16:creationId xmlns:a16="http://schemas.microsoft.com/office/drawing/2014/main" id="{F01D60DC-1875-4E71-8E2F-57182BE215C0}"/>
+              </a:ext>
+            </a:extLst>
+          </p:cNvPr>
+          <p:cNvSpPr/>
+          <p:nvPr/>
+        </p:nvSpPr>
+        <p:spPr>
+          <a:xfrm>
+            <a:off x="556591" y="1859339"/>
+            <a:ext cx="11102009" cy="4401205"/>
+          </a:xfrm>
+          <a:prstGeom prst="rect">
+            <a:avLst/>
+          </a:prstGeom>
+        </p:spPr>
+        <p:txBody>
+          <a:bodyPr wrap="square">
+            <a:spAutoFit/>
+          </a:bodyPr>
+          <a:lstStyle/>
+          <a:p>
+            <a:pPr marL="457200" indent="-457200">
+              <a:buFont typeface="Arial" panose="020B0604020202020204" pitchFamily="34" charset="0"/>
+              <a:buChar char="•"/>
+            </a:pPr>
+            <a:r>
+              <a:rPr lang="es-ES" sz="2800" dirty="0">
+                <a:latin typeface="Roboto"/>
+              </a:rPr>
+              <a:t>Comience con ejercicios simples.</a:t>
+            </a:r>
+          </a:p>
+          <a:p>
+            <a:pPr marL="457200" indent="-457200">
+              <a:buFont typeface="Arial" panose="020B0604020202020204" pitchFamily="34" charset="0"/>
+              <a:buChar char="•"/>
+            </a:pPr>
+            <a:endParaRPr lang="es-ES" sz="2800" dirty="0">
+              <a:latin typeface="Roboto"/>
+            </a:endParaRPr>
+          </a:p>
+          <a:p>
+            <a:pPr marL="457200" indent="-457200">
+              <a:buFont typeface="Arial" panose="020B0604020202020204" pitchFamily="34" charset="0"/>
+              <a:buChar char="•"/>
+            </a:pPr>
+            <a:r>
+              <a:rPr lang="es-ES" sz="2800" dirty="0">
+                <a:latin typeface="Roboto"/>
+              </a:rPr>
+              <a:t>No se preocupe demasiado por el diseño/formato.</a:t>
+            </a:r>
+          </a:p>
+          <a:p>
+            <a:pPr marL="457200" indent="-457200">
+              <a:buFont typeface="Arial" panose="020B0604020202020204" pitchFamily="34" charset="0"/>
+              <a:buChar char="•"/>
+            </a:pPr>
+            <a:endParaRPr lang="es-ES" sz="2800" dirty="0">
+              <a:latin typeface="Roboto"/>
+            </a:endParaRPr>
+          </a:p>
+          <a:p>
+            <a:pPr marL="457200" indent="-457200">
+              <a:buFont typeface="Arial" panose="020B0604020202020204" pitchFamily="34" charset="0"/>
+              <a:buChar char="•"/>
+            </a:pPr>
+            <a:r>
+              <a:rPr lang="es-ES" sz="2800" dirty="0">
+                <a:latin typeface="Roboto"/>
+              </a:rPr>
+              <a:t>Intente formar un equipo (con profesores, asistentes, etc.).</a:t>
+            </a:r>
+          </a:p>
+          <a:p>
+            <a:pPr marL="457200" indent="-457200">
+              <a:buFont typeface="Arial" panose="020B0604020202020204" pitchFamily="34" charset="0"/>
+              <a:buChar char="•"/>
+            </a:pPr>
+            <a:endParaRPr lang="es-ES" sz="2800" dirty="0">
+              <a:latin typeface="Roboto"/>
+            </a:endParaRPr>
+          </a:p>
+          <a:p>
+            <a:pPr marL="457200" indent="-457200">
+              <a:buFont typeface="Arial" panose="020B0604020202020204" pitchFamily="34" charset="0"/>
+              <a:buChar char="•"/>
+            </a:pPr>
+            <a:r>
+              <a:rPr lang="es-ES" sz="2800" dirty="0">
+                <a:latin typeface="Roboto"/>
+              </a:rPr>
+              <a:t>Utilice los ejercicios de ejemplo.</a:t>
+            </a:r>
+          </a:p>
+          <a:p>
+            <a:pPr marL="457200" indent="-457200">
+              <a:buFont typeface="Arial" panose="020B0604020202020204" pitchFamily="34" charset="0"/>
+              <a:buChar char="•"/>
+            </a:pPr>
+            <a:endParaRPr lang="es-ES" sz="2800" dirty="0">
+              <a:latin typeface="Roboto"/>
+            </a:endParaRPr>
+          </a:p>
+          <a:p>
+            <a:pPr marL="457200" indent="-457200">
+              <a:buFont typeface="Arial" panose="020B0604020202020204" pitchFamily="34" charset="0"/>
+              <a:buChar char="•"/>
+            </a:pPr>
+            <a:r>
+              <a:rPr lang="es-ES" sz="2800" dirty="0">
+                <a:latin typeface="Roboto"/>
+              </a:rPr>
+              <a:t>Control de calidad para ejercicios dinámicos antes de evaluaciones importantes.</a:t>
+            </a:r>
+            <a:endParaRPr lang="es-ES" sz="2800" b="0" i="0" dirty="0">
+              <a:effectLst/>
+              <a:latin typeface="Roboto"/>
+            </a:endParaRPr>
+          </a:p>
+        </p:txBody>
+      </p:sp>
+    </p:spTree>
+    <p:extLst>
+      <p:ext uri="{BB962C8B-B14F-4D97-AF65-F5344CB8AC3E}">
+        <p14:creationId xmlns:p14="http://schemas.microsoft.com/office/powerpoint/2010/main" val="3436068643"/>
+      </p:ext>
+    </p:extLst>
+  </p:cSld>
+  <p:clrMapOvr>
+    <a:masterClrMapping/>
+  </p:clrMapOvr>
+</p:sld>
+</file>
+
+<file path=ppt/slides/slide16.xml><?xml version="1.0" encoding="utf-8"?>
+<p:sld xmlns:a="http://schemas.openxmlformats.org/drawingml/2006/main" xmlns:r="http://schemas.openxmlformats.org/officeDocument/2006/relationships" xmlns:p="http://schemas.openxmlformats.org/presentationml/2006/main">
+  <p:cSld>
+    <p:spTree>
+      <p:nvGrpSpPr>
+        <p:cNvPr id="1" name=""/>
+        <p:cNvGrpSpPr/>
+        <p:nvPr/>
+      </p:nvGrpSpPr>
+      <p:grpSpPr>
+        <a:xfrm>
+          <a:off x="0" y="0"/>
+          <a:ext cx="0" cy="0"/>
+          <a:chOff x="0" y="0"/>
+          <a:chExt cx="0" cy="0"/>
+        </a:xfrm>
+      </p:grpSpPr>
+      <p:sp>
+        <p:nvSpPr>
+          <p:cNvPr id="5" name="CuadroTexto 4">
+            <a:extLst>
+              <a:ext uri="{FF2B5EF4-FFF2-40B4-BE49-F238E27FC236}">
+                <a16:creationId xmlns:a16="http://schemas.microsoft.com/office/drawing/2014/main" id="{81A24F94-BF64-4878-8119-9F85FED9FA01}"/>
+              </a:ext>
+            </a:extLst>
+          </p:cNvPr>
+          <p:cNvSpPr txBox="1"/>
+          <p:nvPr/>
+        </p:nvSpPr>
+        <p:spPr>
+          <a:xfrm>
+            <a:off x="152400" y="111760"/>
+            <a:ext cx="11765280" cy="1015663"/>
+          </a:xfrm>
+          <a:prstGeom prst="rect">
+            <a:avLst/>
+          </a:prstGeom>
+          <a:noFill/>
+        </p:spPr>
+        <p:txBody>
+          <a:bodyPr wrap="square" rtlCol="0">
+            <a:spAutoFit/>
+          </a:bodyPr>
+          <a:lstStyle/>
+          <a:p>
+            <a:pPr algn="ctr"/>
+            <a:r>
+              <a:rPr lang="es-CO" sz="6000" dirty="0"/>
+              <a:t>¿Dónde puedo encontrar ayuda?</a:t>
+            </a:r>
+          </a:p>
+        </p:txBody>
+      </p:sp>
+      <p:sp>
+        <p:nvSpPr>
+          <p:cNvPr id="2" name="CuadroTexto 1">
+            <a:extLst>
+              <a:ext uri="{FF2B5EF4-FFF2-40B4-BE49-F238E27FC236}">
+                <a16:creationId xmlns:a16="http://schemas.microsoft.com/office/drawing/2014/main" id="{7E21B5A1-29C1-42BF-A07A-BAD5A2873821}"/>
+              </a:ext>
+            </a:extLst>
+          </p:cNvPr>
+          <p:cNvSpPr txBox="1"/>
+          <p:nvPr/>
+        </p:nvSpPr>
+        <p:spPr>
+          <a:xfrm>
+            <a:off x="526775" y="1967947"/>
+            <a:ext cx="11241156" cy="4031873"/>
+          </a:xfrm>
+          <a:prstGeom prst="rect">
+            <a:avLst/>
+          </a:prstGeom>
+          <a:noFill/>
+        </p:spPr>
+        <p:txBody>
+          <a:bodyPr wrap="square" rtlCol="0">
+            <a:spAutoFit/>
+          </a:bodyPr>
+          <a:lstStyle/>
+          <a:p>
+            <a:r>
+              <a:rPr lang="es-CO" sz="2800" dirty="0">
+                <a:hlinkClick r:id="rId2"/>
+              </a:rPr>
+              <a:t>http://www.r-exams.org/</a:t>
+            </a:r>
+            <a:endParaRPr lang="es-CO" sz="2800" dirty="0"/>
+          </a:p>
+          <a:p>
+            <a:endParaRPr lang="es-CO" sz="2800" dirty="0"/>
+          </a:p>
+          <a:p>
+            <a:r>
+              <a:rPr lang="es-CO" sz="2800" dirty="0">
+                <a:hlinkClick r:id="rId3"/>
+              </a:rPr>
+              <a:t>https://stackoverflow.com/questions/tagged/r-exams</a:t>
+            </a:r>
+            <a:endParaRPr lang="es-CO" sz="2800" dirty="0"/>
+          </a:p>
+          <a:p>
+            <a:endParaRPr lang="es-CO" sz="2800" dirty="0"/>
+          </a:p>
+          <a:p>
+            <a:r>
+              <a:rPr lang="es-CO" sz="2400" dirty="0">
+                <a:hlinkClick r:id="rId4"/>
+              </a:rPr>
+              <a:t>https://r-forge.r-project.org/forum/forum.php?forum_id=4377</a:t>
+            </a:r>
+            <a:endParaRPr lang="es-CO" sz="2400" dirty="0"/>
+          </a:p>
+          <a:p>
+            <a:endParaRPr lang="es-CO" sz="2400" dirty="0"/>
+          </a:p>
+          <a:p>
+            <a:r>
+              <a:rPr lang="es-CO" sz="2400" dirty="0">
+                <a:hlinkClick r:id="rId5"/>
+              </a:rPr>
+              <a:t>http://destio.us.es/calvo/post/2020-05-01-como-crear-examenes-con-rexams-y-rmarkdown/como-crear-examenes-con-rexams-y-rmarkdown/#referencias-%C3%BAtiles</a:t>
+            </a:r>
+            <a:endParaRPr lang="es-CO" sz="2400" dirty="0"/>
+          </a:p>
+          <a:p>
+            <a:endParaRPr lang="es-CO" sz="2400" dirty="0"/>
+          </a:p>
+          <a:p>
+            <a:r>
+              <a:rPr lang="es-CO" sz="2400" dirty="0">
+                <a:hlinkClick r:id="rId6"/>
+              </a:rPr>
+              <a:t>https://www.fernandosansegundo.com/documents/tutorial/r/exams/r-exams-intro-page/</a:t>
+            </a:r>
+            <a:endParaRPr lang="es-CO" sz="2400" dirty="0"/>
+          </a:p>
+        </p:txBody>
+      </p:sp>
+    </p:spTree>
+    <p:extLst>
+      <p:ext uri="{BB962C8B-B14F-4D97-AF65-F5344CB8AC3E}">
+        <p14:creationId xmlns:p14="http://schemas.microsoft.com/office/powerpoint/2010/main" val="3776972537"/>
+      </p:ext>
+    </p:extLst>
+  </p:cSld>
+  <p:clrMapOvr>
+    <a:masterClrMapping/>
+  </p:clrMapOvr>
+</p:sld>
+</file>
+
+<file path=ppt/slides/slide17.xml><?xml version="1.0" encoding="utf-8"?>
+<p:sld xmlns:a="http://schemas.openxmlformats.org/drawingml/2006/main" xmlns:r="http://schemas.openxmlformats.org/officeDocument/2006/relationships" xmlns:p="http://schemas.openxmlformats.org/presentationml/2006/main">
+  <p:cSld>
+    <p:spTree>
+      <p:nvGrpSpPr>
+        <p:cNvPr id="1" name=""/>
+        <p:cNvGrpSpPr/>
+        <p:nvPr/>
+      </p:nvGrpSpPr>
+      <p:grpSpPr>
+        <a:xfrm>
+          <a:off x="0" y="0"/>
+          <a:ext cx="0" cy="0"/>
+          <a:chOff x="0" y="0"/>
+          <a:chExt cx="0" cy="0"/>
+        </a:xfrm>
+      </p:grpSpPr>
+      <p:sp>
+        <p:nvSpPr>
+          <p:cNvPr id="5" name="CuadroTexto 4">
+            <a:extLst>
+              <a:ext uri="{FF2B5EF4-FFF2-40B4-BE49-F238E27FC236}">
+                <a16:creationId xmlns:a16="http://schemas.microsoft.com/office/drawing/2014/main" id="{81A24F94-BF64-4878-8119-9F85FED9FA01}"/>
+              </a:ext>
+            </a:extLst>
+          </p:cNvPr>
+          <p:cNvSpPr txBox="1"/>
+          <p:nvPr/>
+        </p:nvSpPr>
+        <p:spPr>
+          <a:xfrm>
+            <a:off x="152400" y="111760"/>
+            <a:ext cx="11765280" cy="1015663"/>
+          </a:xfrm>
+          <a:prstGeom prst="rect">
+            <a:avLst/>
+          </a:prstGeom>
+          <a:noFill/>
+        </p:spPr>
+        <p:txBody>
+          <a:bodyPr wrap="square" rtlCol="0">
+            <a:spAutoFit/>
+          </a:bodyPr>
+          <a:lstStyle/>
+          <a:p>
+            <a:pPr algn="ctr"/>
+            <a:r>
+              <a:rPr lang="es-CO" sz="6000" dirty="0"/>
+              <a:t>¿Cuál es el reto?</a:t>
+            </a:r>
+          </a:p>
+        </p:txBody>
+      </p:sp>
+      <p:pic>
+        <p:nvPicPr>
+          <p:cNvPr id="5122" name="Picture 2" descr="From PUA to eternity: octubre 2017">
+            <a:extLst>
+              <a:ext uri="{FF2B5EF4-FFF2-40B4-BE49-F238E27FC236}">
+                <a16:creationId xmlns:a16="http://schemas.microsoft.com/office/drawing/2014/main" id="{9A28AE65-01ED-4165-8421-416C59D005FF}"/>
+              </a:ext>
+            </a:extLst>
+          </p:cNvPr>
+          <p:cNvPicPr>
+            <a:picLocks noChangeAspect="1" noChangeArrowheads="1" noCrop="1"/>
+          </p:cNvPicPr>
+          <p:nvPr/>
+        </p:nvPicPr>
+        <p:blipFill>
+          <a:blip r:embed="rId2">
+            <a:extLst>
+              <a:ext uri="{28A0092B-C50C-407E-A947-70E740481C1C}">
+                <a14:useLocalDpi xmlns:a14="http://schemas.microsoft.com/office/drawing/2010/main" val="0"/>
+              </a:ext>
+            </a:extLst>
+          </a:blip>
+          <a:srcRect/>
+          <a:stretch>
+            <a:fillRect/>
+          </a:stretch>
+        </p:blipFill>
+        <p:spPr bwMode="auto">
+          <a:xfrm>
+            <a:off x="3605048" y="1226590"/>
+            <a:ext cx="4538827" cy="4982276"/>
+          </a:xfrm>
+          <a:prstGeom prst="rect">
+            <a:avLst/>
+          </a:prstGeom>
+          <a:noFill/>
+          <a:extLst>
+            <a:ext uri="{909E8E84-426E-40DD-AFC4-6F175D3DCCD1}">
+              <a14:hiddenFill xmlns:a14="http://schemas.microsoft.com/office/drawing/2010/main">
+                <a:solidFill>
+                  <a:srgbClr val="FFFFFF"/>
+                </a:solidFill>
+              </a14:hiddenFill>
+            </a:ext>
+          </a:extLst>
+        </p:spPr>
+      </p:pic>
+    </p:spTree>
+    <p:extLst>
+      <p:ext uri="{BB962C8B-B14F-4D97-AF65-F5344CB8AC3E}">
+        <p14:creationId xmlns:p14="http://schemas.microsoft.com/office/powerpoint/2010/main" val="3946541529"/>
+      </p:ext>
+    </p:extLst>
+  </p:cSld>
+  <p:clrMapOvr>
+    <a:masterClrMapping/>
+  </p:clrMapOvr>
+</p:sld>
+</file>
+
+<file path=ppt/slides/slide18.xml><?xml version="1.0" encoding="utf-8"?>
+<p:sld xmlns:a="http://schemas.openxmlformats.org/drawingml/2006/main" xmlns:r="http://schemas.openxmlformats.org/officeDocument/2006/relationships" xmlns:p="http://schemas.openxmlformats.org/presentationml/2006/main">
+  <p:cSld>
+    <p:spTree>
+      <p:nvGrpSpPr>
+        <p:cNvPr id="1" name=""/>
+        <p:cNvGrpSpPr/>
+        <p:nvPr/>
+      </p:nvGrpSpPr>
+      <p:grpSpPr>
+        <a:xfrm>
+          <a:off x="0" y="0"/>
+          <a:ext cx="0" cy="0"/>
+          <a:chOff x="0" y="0"/>
+          <a:chExt cx="0" cy="0"/>
+        </a:xfrm>
+      </p:grpSpPr>
+      <p:pic>
+        <p:nvPicPr>
+          <p:cNvPr id="6146" name="Picture 2" descr="Question Mark GIFs - Get the best GIF on GIPHY">
+            <a:extLst>
+              <a:ext uri="{FF2B5EF4-FFF2-40B4-BE49-F238E27FC236}">
+                <a16:creationId xmlns:a16="http://schemas.microsoft.com/office/drawing/2014/main" id="{D2D815CE-05D8-4DE2-8036-A3FA72E65CBE}"/>
+              </a:ext>
+            </a:extLst>
+          </p:cNvPr>
+          <p:cNvPicPr>
+            <a:picLocks noChangeAspect="1" noChangeArrowheads="1" noCrop="1"/>
+          </p:cNvPicPr>
+          <p:nvPr/>
+        </p:nvPicPr>
+        <p:blipFill>
+          <a:blip r:embed="rId2">
+            <a:extLst>
+              <a:ext uri="{28A0092B-C50C-407E-A947-70E740481C1C}">
+                <a14:useLocalDpi xmlns:a14="http://schemas.microsoft.com/office/drawing/2010/main" val="0"/>
+              </a:ext>
+            </a:extLst>
+          </a:blip>
+          <a:srcRect/>
+          <a:stretch>
+            <a:fillRect/>
+          </a:stretch>
+        </p:blipFill>
+        <p:spPr bwMode="auto">
+          <a:xfrm>
+            <a:off x="3132083" y="719958"/>
+            <a:ext cx="5418083" cy="5418083"/>
+          </a:xfrm>
+          <a:prstGeom prst="rect">
+            <a:avLst/>
+          </a:prstGeom>
+          <a:noFill/>
+          <a:extLst>
+            <a:ext uri="{909E8E84-426E-40DD-AFC4-6F175D3DCCD1}">
+              <a14:hiddenFill xmlns:a14="http://schemas.microsoft.com/office/drawing/2010/main">
+                <a:solidFill>
+                  <a:srgbClr val="FFFFFF"/>
+                </a:solidFill>
+              </a14:hiddenFill>
+            </a:ext>
+          </a:extLst>
+        </p:spPr>
+      </p:pic>
+    </p:spTree>
+    <p:extLst>
+      <p:ext uri="{BB962C8B-B14F-4D97-AF65-F5344CB8AC3E}">
+        <p14:creationId xmlns:p14="http://schemas.microsoft.com/office/powerpoint/2010/main" val="4140718967"/>
       </p:ext>
     </p:extLst>
   </p:cSld>
@@ -3351,6 +4225,94 @@
           </a:p>
         </p:txBody>
       </p:sp>
+      <p:sp>
+        <p:nvSpPr>
+          <p:cNvPr id="2" name="Rectángulo 1">
+            <a:extLst>
+              <a:ext uri="{FF2B5EF4-FFF2-40B4-BE49-F238E27FC236}">
+                <a16:creationId xmlns:a16="http://schemas.microsoft.com/office/drawing/2014/main" id="{19DDFDF4-9BD3-4C23-BD8A-B439ECC60DB7}"/>
+              </a:ext>
+            </a:extLst>
+          </p:cNvPr>
+          <p:cNvSpPr/>
+          <p:nvPr/>
+        </p:nvSpPr>
+        <p:spPr>
+          <a:xfrm>
+            <a:off x="3429084" y="1793220"/>
+            <a:ext cx="7871578" cy="830997"/>
+          </a:xfrm>
+          <a:prstGeom prst="rect">
+            <a:avLst/>
+          </a:prstGeom>
+        </p:spPr>
+        <p:txBody>
+          <a:bodyPr wrap="none">
+            <a:spAutoFit/>
+          </a:bodyPr>
+          <a:lstStyle/>
+          <a:p>
+            <a:r>
+              <a:rPr lang="es-CO" sz="4800" dirty="0">
+                <a:solidFill>
+                  <a:schemeClr val="accent3">
+                    <a:lumMod val="40000"/>
+                    <a:lumOff val="60000"/>
+                  </a:schemeClr>
+                </a:solidFill>
+              </a:rPr>
+              <a:t>https://tinyurl.com/exams-unal </a:t>
+            </a:r>
+          </a:p>
+        </p:txBody>
+      </p:sp>
+      <p:pic>
+        <p:nvPicPr>
+          <p:cNvPr id="1026" name="Picture 2">
+            <a:extLst>
+              <a:ext uri="{FF2B5EF4-FFF2-40B4-BE49-F238E27FC236}">
+                <a16:creationId xmlns:a16="http://schemas.microsoft.com/office/drawing/2014/main" id="{F2897939-5523-49C2-A2DB-6C19105216D0}"/>
+              </a:ext>
+            </a:extLst>
+          </p:cNvPr>
+          <p:cNvPicPr>
+            <a:picLocks noChangeAspect="1" noChangeArrowheads="1"/>
+          </p:cNvPicPr>
+          <p:nvPr/>
+        </p:nvPicPr>
+        <p:blipFill>
+          <a:blip r:embed="rId2">
+            <a:extLst>
+              <a:ext uri="{28A0092B-C50C-407E-A947-70E740481C1C}">
+                <a14:useLocalDpi xmlns:a14="http://schemas.microsoft.com/office/drawing/2010/main" val="0"/>
+              </a:ext>
+            </a:extLst>
+          </a:blip>
+          <a:srcRect/>
+          <a:stretch>
+            <a:fillRect/>
+          </a:stretch>
+        </p:blipFill>
+        <p:spPr bwMode="auto">
+          <a:xfrm>
+            <a:off x="7126358" y="3003273"/>
+            <a:ext cx="3092726" cy="3092726"/>
+          </a:xfrm>
+          <a:prstGeom prst="rect">
+            <a:avLst/>
+          </a:prstGeom>
+          <a:noFill/>
+          <a:extLst>
+            <a:ext uri="{909E8E84-426E-40DD-AFC4-6F175D3DCCD1}">
+              <a14:hiddenFill xmlns:a14="http://schemas.microsoft.com/office/drawing/2010/main">
+                <a:solidFill>
+                  <a:srgbClr val="FFFFFF"/>
+                </a:solidFill>
+              </a14:hiddenFill>
+            </a:ext>
+          </a:extLst>
+        </p:spPr>
+      </p:pic>
     </p:spTree>
     <p:extLst>
       <p:ext uri="{BB962C8B-B14F-4D97-AF65-F5344CB8AC3E}">
